--- a/docs/Trivial/makeFigs_Trival.pptx
+++ b/docs/Trivial/makeFigs_Trival.pptx
@@ -9,12 +9,13 @@
     <p:sldId id="400" r:id="rId3"/>
     <p:sldId id="403" r:id="rId4"/>
     <p:sldId id="361" r:id="rId5"/>
-    <p:sldId id="401" r:id="rId6"/>
-    <p:sldId id="399" r:id="rId7"/>
-    <p:sldId id="332" r:id="rId8"/>
-    <p:sldId id="333" r:id="rId9"/>
-    <p:sldId id="330" r:id="rId10"/>
-    <p:sldId id="331" r:id="rId11"/>
+    <p:sldId id="404" r:id="rId6"/>
+    <p:sldId id="401" r:id="rId7"/>
+    <p:sldId id="399" r:id="rId8"/>
+    <p:sldId id="332" r:id="rId9"/>
+    <p:sldId id="333" r:id="rId10"/>
+    <p:sldId id="330" r:id="rId11"/>
+    <p:sldId id="331" r:id="rId12"/>
   </p:sldIdLst>
   <p:sldSz cx="12192000" cy="6858000"/>
   <p:notesSz cx="6858000" cy="9144000"/>
@@ -130,6 +131,7 @@
         </p14:section>
         <p14:section name="HydroTurbine_byPump_ex02" id="{CB7865E4-9094-4C1B-92C7-986673CD9748}">
           <p14:sldIdLst>
+            <p14:sldId id="404"/>
             <p14:sldId id="401"/>
           </p14:sldIdLst>
         </p14:section>
@@ -306,7 +308,7 @@
           <a:p>
             <a:fld id="{2AFDD5F5-1EDB-4ADE-BF91-098AC92432E6}" type="datetimeFigureOut">
               <a:rPr kumimoji="1" lang="ja-JP" altLang="en-US" smtClean="0"/>
-              <a:t>2021/2/14</a:t>
+              <a:t>2021/2/16</a:t>
             </a:fld>
             <a:endParaRPr kumimoji="1" lang="ja-JP" altLang="en-US"/>
           </a:p>
@@ -536,7 +538,7 @@
           <a:p>
             <a:fld id="{2AFDD5F5-1EDB-4ADE-BF91-098AC92432E6}" type="datetimeFigureOut">
               <a:rPr kumimoji="1" lang="ja-JP" altLang="en-US" smtClean="0"/>
-              <a:t>2021/2/14</a:t>
+              <a:t>2021/2/16</a:t>
             </a:fld>
             <a:endParaRPr kumimoji="1" lang="ja-JP" altLang="en-US"/>
           </a:p>
@@ -776,7 +778,7 @@
           <a:p>
             <a:fld id="{2AFDD5F5-1EDB-4ADE-BF91-098AC92432E6}" type="datetimeFigureOut">
               <a:rPr kumimoji="1" lang="ja-JP" altLang="en-US" smtClean="0"/>
-              <a:t>2021/2/14</a:t>
+              <a:t>2021/2/16</a:t>
             </a:fld>
             <a:endParaRPr kumimoji="1" lang="ja-JP" altLang="en-US"/>
           </a:p>
@@ -1096,7 +1098,7 @@
           <a:p>
             <a:fld id="{2AFDD5F5-1EDB-4ADE-BF91-098AC92432E6}" type="datetimeFigureOut">
               <a:rPr kumimoji="1" lang="ja-JP" altLang="en-US" smtClean="0"/>
-              <a:t>2021/2/14</a:t>
+              <a:t>2021/2/16</a:t>
             </a:fld>
             <a:endParaRPr kumimoji="1" lang="ja-JP" altLang="en-US"/>
           </a:p>
@@ -1371,7 +1373,7 @@
           <a:p>
             <a:fld id="{2AFDD5F5-1EDB-4ADE-BF91-098AC92432E6}" type="datetimeFigureOut">
               <a:rPr kumimoji="1" lang="ja-JP" altLang="en-US" smtClean="0"/>
-              <a:t>2021/2/14</a:t>
+              <a:t>2021/2/16</a:t>
             </a:fld>
             <a:endParaRPr kumimoji="1" lang="ja-JP" altLang="en-US"/>
           </a:p>
@@ -1700,7 +1702,7 @@
           <a:p>
             <a:fld id="{2AFDD5F5-1EDB-4ADE-BF91-098AC92432E6}" type="datetimeFigureOut">
               <a:rPr kumimoji="1" lang="ja-JP" altLang="en-US" smtClean="0"/>
-              <a:t>2021/2/14</a:t>
+              <a:t>2021/2/16</a:t>
             </a:fld>
             <a:endParaRPr kumimoji="1" lang="ja-JP" altLang="en-US"/>
           </a:p>
@@ -2176,7 +2178,7 @@
           <a:p>
             <a:fld id="{2AFDD5F5-1EDB-4ADE-BF91-098AC92432E6}" type="datetimeFigureOut">
               <a:rPr kumimoji="1" lang="ja-JP" altLang="en-US" smtClean="0"/>
-              <a:t>2021/2/14</a:t>
+              <a:t>2021/2/16</a:t>
             </a:fld>
             <a:endParaRPr kumimoji="1" lang="ja-JP" altLang="en-US"/>
           </a:p>
@@ -2317,7 +2319,7 @@
           <a:p>
             <a:fld id="{2AFDD5F5-1EDB-4ADE-BF91-098AC92432E6}" type="datetimeFigureOut">
               <a:rPr kumimoji="1" lang="ja-JP" altLang="en-US" smtClean="0"/>
-              <a:t>2021/2/14</a:t>
+              <a:t>2021/2/16</a:t>
             </a:fld>
             <a:endParaRPr kumimoji="1" lang="ja-JP" altLang="en-US"/>
           </a:p>
@@ -2430,7 +2432,7 @@
           <a:p>
             <a:fld id="{2AFDD5F5-1EDB-4ADE-BF91-098AC92432E6}" type="datetimeFigureOut">
               <a:rPr kumimoji="1" lang="ja-JP" altLang="en-US" smtClean="0"/>
-              <a:t>2021/2/14</a:t>
+              <a:t>2021/2/16</a:t>
             </a:fld>
             <a:endParaRPr kumimoji="1" lang="ja-JP" altLang="en-US"/>
           </a:p>
@@ -2773,7 +2775,7 @@
           <a:p>
             <a:fld id="{2AFDD5F5-1EDB-4ADE-BF91-098AC92432E6}" type="datetimeFigureOut">
               <a:rPr kumimoji="1" lang="ja-JP" altLang="en-US" smtClean="0"/>
-              <a:t>2021/2/14</a:t>
+              <a:t>2021/2/16</a:t>
             </a:fld>
             <a:endParaRPr kumimoji="1" lang="ja-JP" altLang="en-US"/>
           </a:p>
@@ -3061,7 +3063,7 @@
           <a:p>
             <a:fld id="{2AFDD5F5-1EDB-4ADE-BF91-098AC92432E6}" type="datetimeFigureOut">
               <a:rPr kumimoji="1" lang="ja-JP" altLang="en-US" smtClean="0"/>
-              <a:t>2021/2/14</a:t>
+              <a:t>2021/2/16</a:t>
             </a:fld>
             <a:endParaRPr kumimoji="1" lang="ja-JP" altLang="en-US"/>
           </a:p>
@@ -3334,7 +3336,7 @@
           <a:p>
             <a:fld id="{2AFDD5F5-1EDB-4ADE-BF91-098AC92432E6}" type="datetimeFigureOut">
               <a:rPr kumimoji="1" lang="ja-JP" altLang="en-US" smtClean="0"/>
-              <a:t>2021/2/14</a:t>
+              <a:t>2021/2/16</a:t>
             </a:fld>
             <a:endParaRPr kumimoji="1" lang="ja-JP" altLang="en-US"/>
           </a:p>
@@ -3813,6 +3815,112 @@
       </p:grpSpPr>
       <p:pic>
         <p:nvPicPr>
+          <p:cNvPr id="5" name="図 4">
+            <a:extLst>
+              <a:ext uri="{FF2B5EF4-FFF2-40B4-BE49-F238E27FC236}">
+                <a16:creationId xmlns:a16="http://schemas.microsoft.com/office/drawing/2014/main" id="{1861CB12-90A6-42DE-A22D-8963E3B6B5F0}"/>
+              </a:ext>
+            </a:extLst>
+          </p:cNvPr>
+          <p:cNvPicPr>
+            <a:picLocks noChangeAspect="1"/>
+          </p:cNvPicPr>
+          <p:nvPr/>
+        </p:nvPicPr>
+        <p:blipFill>
+          <a:blip r:embed="rId2"/>
+          <a:stretch>
+            <a:fillRect/>
+          </a:stretch>
+        </p:blipFill>
+        <p:spPr>
+          <a:xfrm>
+            <a:off x="1985486" y="0"/>
+            <a:ext cx="8221027" cy="6858000"/>
+          </a:xfrm>
+          <a:prstGeom prst="rect">
+            <a:avLst/>
+          </a:prstGeom>
+        </p:spPr>
+      </p:pic>
+      <p:sp>
+        <p:nvSpPr>
+          <p:cNvPr id="3" name="テキスト ボックス 2">
+            <a:extLst>
+              <a:ext uri="{FF2B5EF4-FFF2-40B4-BE49-F238E27FC236}">
+                <a16:creationId xmlns:a16="http://schemas.microsoft.com/office/drawing/2014/main" id="{24ADC03F-BFEC-4049-9726-538FCD7B5E67}"/>
+              </a:ext>
+            </a:extLst>
+          </p:cNvPr>
+          <p:cNvSpPr txBox="1"/>
+          <p:nvPr/>
+        </p:nvSpPr>
+        <p:spPr>
+          <a:xfrm>
+            <a:off x="78153" y="0"/>
+            <a:ext cx="4079632" cy="461665"/>
+          </a:xfrm>
+          <a:prstGeom prst="rect">
+            <a:avLst/>
+          </a:prstGeom>
+          <a:noFill/>
+        </p:spPr>
+        <p:txBody>
+          <a:bodyPr wrap="square" rtlCol="0">
+            <a:spAutoFit/>
+          </a:bodyPr>
+          <a:lstStyle/>
+          <a:p>
+            <a:r>
+              <a:rPr lang="en-US" altLang="ja-JP" sz="2400" dirty="0">
+                <a:solidFill>
+                  <a:srgbClr val="000000"/>
+                </a:solidFill>
+                <a:effectLst/>
+                <a:latin typeface="Times New Roman" panose="02020603050405020304" pitchFamily="18" charset="0"/>
+                <a:cs typeface="Times New Roman" panose="02020603050405020304" pitchFamily="18" charset="0"/>
+              </a:rPr>
+              <a:t>PumpAsTurbine_ex01</a:t>
+            </a:r>
+            <a:endParaRPr kumimoji="1" lang="ja-JP" altLang="en-US" sz="2400" dirty="0">
+              <a:latin typeface="Times New Roman" panose="02020603050405020304" pitchFamily="18" charset="0"/>
+              <a:cs typeface="Times New Roman" panose="02020603050405020304" pitchFamily="18" charset="0"/>
+            </a:endParaRPr>
+          </a:p>
+        </p:txBody>
+      </p:sp>
+    </p:spTree>
+    <p:extLst>
+      <p:ext uri="{BB962C8B-B14F-4D97-AF65-F5344CB8AC3E}">
+        <p14:creationId xmlns:p14="http://schemas.microsoft.com/office/powerpoint/2010/main" val="3258820415"/>
+      </p:ext>
+    </p:extLst>
+  </p:cSld>
+  <p:clrMapOvr>
+    <a:masterClrMapping/>
+  </p:clrMapOvr>
+</p:sld>
+</file>
+
+<file path=ppt/slides/slide11.xml><?xml version="1.0" encoding="utf-8"?>
+<p:sld xmlns:a="http://schemas.openxmlformats.org/drawingml/2006/main" xmlns:r="http://schemas.openxmlformats.org/officeDocument/2006/relationships" xmlns:p="http://schemas.openxmlformats.org/presentationml/2006/main">
+  <p:cSld>
+    <p:spTree>
+      <p:nvGrpSpPr>
+        <p:cNvPr id="1" name=""/>
+        <p:cNvGrpSpPr/>
+        <p:nvPr/>
+      </p:nvGrpSpPr>
+      <p:grpSpPr>
+        <a:xfrm>
+          <a:off x="0" y="0"/>
+          <a:ext cx="0" cy="0"/>
+          <a:chOff x="0" y="0"/>
+          <a:chExt cx="0" cy="0"/>
+        </a:xfrm>
+      </p:grpSpPr>
+      <p:pic>
+        <p:nvPicPr>
           <p:cNvPr id="3" name="図 2">
             <a:extLst>
               <a:ext uri="{FF2B5EF4-FFF2-40B4-BE49-F238E27FC236}">
@@ -5700,10 +5808,10 @@
       </p:grpSpPr>
       <p:pic>
         <p:nvPicPr>
-          <p:cNvPr id="3" name="図 2">
-            <a:extLst>
-              <a:ext uri="{FF2B5EF4-FFF2-40B4-BE49-F238E27FC236}">
-                <a16:creationId xmlns:a16="http://schemas.microsoft.com/office/drawing/2014/main" id="{D3845285-1CDC-4DCC-A2FC-E8F3305E922C}"/>
+          <p:cNvPr id="2" name="図 1">
+            <a:extLst>
+              <a:ext uri="{FF2B5EF4-FFF2-40B4-BE49-F238E27FC236}">
+                <a16:creationId xmlns:a16="http://schemas.microsoft.com/office/drawing/2014/main" id="{BB9B9CF3-5155-4E1A-B76D-F7B8A9240868}"/>
               </a:ext>
             </a:extLst>
           </p:cNvPr>
@@ -5712,21 +5820,298 @@
           </p:cNvPicPr>
           <p:nvPr/>
         </p:nvPicPr>
-        <p:blipFill rotWithShape="1">
+        <p:blipFill>
           <a:blip r:embed="rId2"/>
-          <a:srcRect r="5500"/>
-          <a:stretch/>
+          <a:stretch>
+            <a:fillRect/>
+          </a:stretch>
         </p:blipFill>
         <p:spPr>
           <a:xfrm>
-            <a:off x="0" y="182217"/>
-            <a:ext cx="11521440" cy="6493565"/>
+            <a:off x="734095" y="367095"/>
+            <a:ext cx="10723809" cy="6123809"/>
           </a:xfrm>
           <a:prstGeom prst="rect">
             <a:avLst/>
           </a:prstGeom>
         </p:spPr>
       </p:pic>
+    </p:spTree>
+    <p:extLst>
+      <p:ext uri="{BB962C8B-B14F-4D97-AF65-F5344CB8AC3E}">
+        <p14:creationId xmlns:p14="http://schemas.microsoft.com/office/powerpoint/2010/main" val="1415226561"/>
+      </p:ext>
+    </p:extLst>
+  </p:cSld>
+  <p:clrMapOvr>
+    <a:masterClrMapping/>
+  </p:clrMapOvr>
+</p:sld>
+</file>
+
+<file path=ppt/slides/slide6.xml><?xml version="1.0" encoding="utf-8"?>
+<p:sld xmlns:a="http://schemas.openxmlformats.org/drawingml/2006/main" xmlns:r="http://schemas.openxmlformats.org/officeDocument/2006/relationships" xmlns:p="http://schemas.openxmlformats.org/presentationml/2006/main">
+  <p:cSld>
+    <p:spTree>
+      <p:nvGrpSpPr>
+        <p:cNvPr id="1" name=""/>
+        <p:cNvGrpSpPr/>
+        <p:nvPr/>
+      </p:nvGrpSpPr>
+      <p:grpSpPr>
+        <a:xfrm>
+          <a:off x="0" y="0"/>
+          <a:ext cx="0" cy="0"/>
+          <a:chOff x="0" y="0"/>
+          <a:chExt cx="0" cy="0"/>
+        </a:xfrm>
+      </p:grpSpPr>
+      <p:pic>
+        <p:nvPicPr>
+          <p:cNvPr id="4" name="図 3">
+            <a:extLst>
+              <a:ext uri="{FF2B5EF4-FFF2-40B4-BE49-F238E27FC236}">
+                <a16:creationId xmlns:a16="http://schemas.microsoft.com/office/drawing/2014/main" id="{F5A259F3-9F8F-4510-B5D8-BDD3746009C4}"/>
+              </a:ext>
+            </a:extLst>
+          </p:cNvPr>
+          <p:cNvPicPr>
+            <a:picLocks noChangeAspect="1"/>
+          </p:cNvPicPr>
+          <p:nvPr/>
+        </p:nvPicPr>
+        <p:blipFill>
+          <a:blip r:embed="rId2"/>
+          <a:stretch>
+            <a:fillRect/>
+          </a:stretch>
+        </p:blipFill>
+        <p:spPr>
+          <a:xfrm>
+            <a:off x="734095" y="367095"/>
+            <a:ext cx="10723809" cy="6123809"/>
+          </a:xfrm>
+          <a:prstGeom prst="rect">
+            <a:avLst/>
+          </a:prstGeom>
+        </p:spPr>
+      </p:pic>
+      <p:sp>
+        <p:nvSpPr>
+          <p:cNvPr id="5" name="テキスト ボックス 4">
+            <a:extLst>
+              <a:ext uri="{FF2B5EF4-FFF2-40B4-BE49-F238E27FC236}">
+                <a16:creationId xmlns:a16="http://schemas.microsoft.com/office/drawing/2014/main" id="{7EBDF8FD-7B5E-46DC-9A67-489495958D67}"/>
+              </a:ext>
+            </a:extLst>
+          </p:cNvPr>
+          <p:cNvSpPr txBox="1"/>
+          <p:nvPr/>
+        </p:nvSpPr>
+        <p:spPr>
+          <a:xfrm>
+            <a:off x="589005" y="2671118"/>
+            <a:ext cx="2063579" cy="541639"/>
+          </a:xfrm>
+          <a:prstGeom prst="rect">
+            <a:avLst/>
+          </a:prstGeom>
+          <a:solidFill>
+            <a:srgbClr val="92D050">
+              <a:alpha val="60000"/>
+            </a:srgbClr>
+          </a:solidFill>
+          <a:ln>
+            <a:solidFill>
+              <a:schemeClr val="tx1"/>
+            </a:solidFill>
+          </a:ln>
+        </p:spPr>
+        <p:txBody>
+          <a:bodyPr wrap="square" rtlCol="0">
+            <a:noAutofit/>
+          </a:bodyPr>
+          <a:lstStyle/>
+          <a:p>
+            <a:r>
+              <a:rPr lang="en-US" altLang="ja-JP" sz="907" dirty="0">
+                <a:latin typeface="ＭＳ Ｐゴシック" panose="020B0600070205080204" pitchFamily="50" charset="-128"/>
+                <a:ea typeface="ＭＳ Ｐゴシック" panose="020B0600070205080204" pitchFamily="50" charset="-128"/>
+                <a:cs typeface="Arial" panose="020B0604020202020204" pitchFamily="34" charset="0"/>
+              </a:rPr>
+              <a:t>Constrain the rotational speed of shaft.  -&gt; torque is variable as a result of turbine extracted power.</a:t>
+            </a:r>
+          </a:p>
+        </p:txBody>
+      </p:sp>
+      <p:cxnSp>
+        <p:nvCxnSpPr>
+          <p:cNvPr id="6" name="直線矢印コネクタ 5">
+            <a:extLst>
+              <a:ext uri="{FF2B5EF4-FFF2-40B4-BE49-F238E27FC236}">
+                <a16:creationId xmlns:a16="http://schemas.microsoft.com/office/drawing/2014/main" id="{D543D246-D953-4B0A-B54D-E12EA234D2C8}"/>
+              </a:ext>
+            </a:extLst>
+          </p:cNvPr>
+          <p:cNvCxnSpPr>
+            <a:cxnSpLocks/>
+            <a:stCxn id="5" idx="3"/>
+          </p:cNvCxnSpPr>
+          <p:nvPr/>
+        </p:nvCxnSpPr>
+        <p:spPr>
+          <a:xfrm flipV="1">
+            <a:off x="2652584" y="2166552"/>
+            <a:ext cx="741405" cy="775386"/>
+          </a:xfrm>
+          <a:prstGeom prst="straightConnector1">
+            <a:avLst/>
+          </a:prstGeom>
+          <a:ln w="12700">
+            <a:solidFill>
+              <a:schemeClr val="tx1"/>
+            </a:solidFill>
+            <a:tailEnd type="oval"/>
+          </a:ln>
+        </p:spPr>
+        <p:style>
+          <a:lnRef idx="1">
+            <a:schemeClr val="accent1"/>
+          </a:lnRef>
+          <a:fillRef idx="0">
+            <a:schemeClr val="accent1"/>
+          </a:fillRef>
+          <a:effectRef idx="0">
+            <a:schemeClr val="accent1"/>
+          </a:effectRef>
+          <a:fontRef idx="minor">
+            <a:schemeClr val="tx1"/>
+          </a:fontRef>
+        </p:style>
+      </p:cxnSp>
+      <p:cxnSp>
+        <p:nvCxnSpPr>
+          <p:cNvPr id="11" name="直線矢印コネクタ 10">
+            <a:extLst>
+              <a:ext uri="{FF2B5EF4-FFF2-40B4-BE49-F238E27FC236}">
+                <a16:creationId xmlns:a16="http://schemas.microsoft.com/office/drawing/2014/main" id="{07840B03-CFF8-4933-AAF2-1A8CEA34FBA0}"/>
+              </a:ext>
+            </a:extLst>
+          </p:cNvPr>
+          <p:cNvCxnSpPr>
+            <a:cxnSpLocks/>
+            <a:stCxn id="12" idx="2"/>
+          </p:cNvCxnSpPr>
+          <p:nvPr/>
+        </p:nvCxnSpPr>
+        <p:spPr>
+          <a:xfrm flipH="1">
+            <a:off x="5354595" y="3429000"/>
+            <a:ext cx="2075936" cy="1398373"/>
+          </a:xfrm>
+          <a:prstGeom prst="straightConnector1">
+            <a:avLst/>
+          </a:prstGeom>
+          <a:ln w="12700">
+            <a:solidFill>
+              <a:schemeClr val="tx1"/>
+            </a:solidFill>
+            <a:tailEnd type="oval"/>
+          </a:ln>
+        </p:spPr>
+        <p:style>
+          <a:lnRef idx="1">
+            <a:schemeClr val="accent1"/>
+          </a:lnRef>
+          <a:fillRef idx="0">
+            <a:schemeClr val="accent1"/>
+          </a:fillRef>
+          <a:effectRef idx="0">
+            <a:schemeClr val="accent1"/>
+          </a:effectRef>
+          <a:fontRef idx="minor">
+            <a:schemeClr val="tx1"/>
+          </a:fontRef>
+        </p:style>
+      </p:cxnSp>
+      <p:sp>
+        <p:nvSpPr>
+          <p:cNvPr id="12" name="テキスト ボックス 11">
+            <a:extLst>
+              <a:ext uri="{FF2B5EF4-FFF2-40B4-BE49-F238E27FC236}">
+                <a16:creationId xmlns:a16="http://schemas.microsoft.com/office/drawing/2014/main" id="{1D4F2409-C03B-4561-8590-C867D3ECB091}"/>
+              </a:ext>
+            </a:extLst>
+          </p:cNvPr>
+          <p:cNvSpPr txBox="1"/>
+          <p:nvPr/>
+        </p:nvSpPr>
+        <p:spPr>
+          <a:xfrm>
+            <a:off x="6096000" y="2564080"/>
+            <a:ext cx="2669061" cy="864920"/>
+          </a:xfrm>
+          <a:prstGeom prst="rect">
+            <a:avLst/>
+          </a:prstGeom>
+          <a:solidFill>
+            <a:srgbClr val="92D050">
+              <a:alpha val="60000"/>
+            </a:srgbClr>
+          </a:solidFill>
+          <a:ln>
+            <a:solidFill>
+              <a:schemeClr val="tx1"/>
+            </a:solidFill>
+          </a:ln>
+        </p:spPr>
+        <p:txBody>
+          <a:bodyPr wrap="square" rtlCol="0">
+            <a:noAutofit/>
+          </a:bodyPr>
+          <a:lstStyle/>
+          <a:p>
+            <a:r>
+              <a:rPr lang="en-US" altLang="ja-JP" sz="907" dirty="0">
+                <a:latin typeface="ＭＳ Ｐゴシック" panose="020B0600070205080204" pitchFamily="50" charset="-128"/>
+                <a:ea typeface="ＭＳ Ｐゴシック" panose="020B0600070205080204" pitchFamily="50" charset="-128"/>
+                <a:cs typeface="Arial" panose="020B0604020202020204" pitchFamily="34" charset="0"/>
+              </a:rPr>
+              <a:t>Centrifugal pump integrated into system as turbine.</a:t>
+            </a:r>
+          </a:p>
+          <a:p>
+            <a:r>
+              <a:rPr lang="en-US" altLang="ja-JP" sz="907" dirty="0">
+                <a:latin typeface="ＭＳ Ｐゴシック" panose="020B0600070205080204" pitchFamily="50" charset="-128"/>
+                <a:ea typeface="ＭＳ Ｐゴシック" panose="020B0600070205080204" pitchFamily="50" charset="-128"/>
+                <a:cs typeface="Arial" panose="020B0604020202020204" pitchFamily="34" charset="0"/>
+              </a:rPr>
+              <a:t>-. Constant efficiency.</a:t>
+            </a:r>
+          </a:p>
+          <a:p>
+            <a:r>
+              <a:rPr lang="en-US" altLang="ja-JP" sz="907" dirty="0">
+                <a:latin typeface="ＭＳ Ｐゴシック" panose="020B0600070205080204" pitchFamily="50" charset="-128"/>
+                <a:ea typeface="ＭＳ Ｐゴシック" panose="020B0600070205080204" pitchFamily="50" charset="-128"/>
+                <a:cs typeface="Arial" panose="020B0604020202020204" pitchFamily="34" charset="0"/>
+              </a:rPr>
+              <a:t>-. Opposite connection to pump; Outlet port – upstream side, Inlet port – downstream side.</a:t>
+            </a:r>
+          </a:p>
+          <a:p>
+            <a:r>
+              <a:rPr lang="en-US" altLang="ja-JP" sz="907" dirty="0">
+                <a:latin typeface="ＭＳ Ｐゴシック" panose="020B0600070205080204" pitchFamily="50" charset="-128"/>
+                <a:ea typeface="ＭＳ Ｐゴシック" panose="020B0600070205080204" pitchFamily="50" charset="-128"/>
+                <a:cs typeface="Arial" panose="020B0604020202020204" pitchFamily="34" charset="0"/>
+              </a:rPr>
+              <a:t>-. Mechanical work is extracted via flange.</a:t>
+            </a:r>
+          </a:p>
+        </p:txBody>
+      </p:sp>
     </p:spTree>
     <p:extLst>
       <p:ext uri="{BB962C8B-B14F-4D97-AF65-F5344CB8AC3E}">
@@ -5740,7 +6125,7 @@
 </p:sld>
 </file>
 
-<file path=ppt/slides/slide6.xml><?xml version="1.0" encoding="utf-8"?>
+<file path=ppt/slides/slide7.xml><?xml version="1.0" encoding="utf-8"?>
 <p:sld xmlns:a="http://schemas.openxmlformats.org/drawingml/2006/main" xmlns:r="http://schemas.openxmlformats.org/officeDocument/2006/relationships" xmlns:p="http://schemas.openxmlformats.org/presentationml/2006/main">
   <p:cSld>
     <p:spTree>
@@ -5770,7 +6155,7 @@
 </p:sld>
 </file>
 
-<file path=ppt/slides/slide7.xml><?xml version="1.0" encoding="utf-8"?>
+<file path=ppt/slides/slide8.xml><?xml version="1.0" encoding="utf-8"?>
 <p:sld xmlns:a="http://schemas.openxmlformats.org/drawingml/2006/main" xmlns:r="http://schemas.openxmlformats.org/officeDocument/2006/relationships" xmlns:p="http://schemas.openxmlformats.org/presentationml/2006/main">
   <p:cSld>
     <p:spTree>
@@ -5867,66 +6252,6 @@
     <p:extLst>
       <p:ext uri="{BB962C8B-B14F-4D97-AF65-F5344CB8AC3E}">
         <p14:creationId xmlns:p14="http://schemas.microsoft.com/office/powerpoint/2010/main" val="547396864"/>
-      </p:ext>
-    </p:extLst>
-  </p:cSld>
-  <p:clrMapOvr>
-    <a:masterClrMapping/>
-  </p:clrMapOvr>
-</p:sld>
-</file>
-
-<file path=ppt/slides/slide8.xml><?xml version="1.0" encoding="utf-8"?>
-<p:sld xmlns:a="http://schemas.openxmlformats.org/drawingml/2006/main" xmlns:r="http://schemas.openxmlformats.org/officeDocument/2006/relationships" xmlns:p="http://schemas.openxmlformats.org/presentationml/2006/main">
-  <p:cSld>
-    <p:spTree>
-      <p:nvGrpSpPr>
-        <p:cNvPr id="1" name=""/>
-        <p:cNvGrpSpPr/>
-        <p:nvPr/>
-      </p:nvGrpSpPr>
-      <p:grpSpPr>
-        <a:xfrm>
-          <a:off x="0" y="0"/>
-          <a:ext cx="0" cy="0"/>
-          <a:chOff x="0" y="0"/>
-          <a:chExt cx="0" cy="0"/>
-        </a:xfrm>
-      </p:grpSpPr>
-      <p:pic>
-        <p:nvPicPr>
-          <p:cNvPr id="3" name="図 2">
-            <a:extLst>
-              <a:ext uri="{FF2B5EF4-FFF2-40B4-BE49-F238E27FC236}">
-                <a16:creationId xmlns:a16="http://schemas.microsoft.com/office/drawing/2014/main" id="{638963D9-2164-4F16-88FB-56F16AFC13F2}"/>
-              </a:ext>
-            </a:extLst>
-          </p:cNvPr>
-          <p:cNvPicPr>
-            <a:picLocks noChangeAspect="1"/>
-          </p:cNvPicPr>
-          <p:nvPr/>
-        </p:nvPicPr>
-        <p:blipFill>
-          <a:blip r:embed="rId2"/>
-          <a:stretch>
-            <a:fillRect/>
-          </a:stretch>
-        </p:blipFill>
-        <p:spPr>
-          <a:xfrm>
-            <a:off x="2039639" y="0"/>
-            <a:ext cx="8112722" cy="6858000"/>
-          </a:xfrm>
-          <a:prstGeom prst="rect">
-            <a:avLst/>
-          </a:prstGeom>
-        </p:spPr>
-      </p:pic>
-    </p:spTree>
-    <p:extLst>
-      <p:ext uri="{BB962C8B-B14F-4D97-AF65-F5344CB8AC3E}">
-        <p14:creationId xmlns:p14="http://schemas.microsoft.com/office/powerpoint/2010/main" val="3437108536"/>
       </p:ext>
     </p:extLst>
   </p:cSld>
@@ -5955,10 +6280,10 @@
       </p:grpSpPr>
       <p:pic>
         <p:nvPicPr>
-          <p:cNvPr id="5" name="図 4">
-            <a:extLst>
-              <a:ext uri="{FF2B5EF4-FFF2-40B4-BE49-F238E27FC236}">
-                <a16:creationId xmlns:a16="http://schemas.microsoft.com/office/drawing/2014/main" id="{1861CB12-90A6-42DE-A22D-8963E3B6B5F0}"/>
+          <p:cNvPr id="3" name="図 2">
+            <a:extLst>
+              <a:ext uri="{FF2B5EF4-FFF2-40B4-BE49-F238E27FC236}">
+                <a16:creationId xmlns:a16="http://schemas.microsoft.com/office/drawing/2014/main" id="{638963D9-2164-4F16-88FB-56F16AFC13F2}"/>
               </a:ext>
             </a:extLst>
           </p:cNvPr>
@@ -5975,64 +6300,18 @@
         </p:blipFill>
         <p:spPr>
           <a:xfrm>
-            <a:off x="1985486" y="0"/>
-            <a:ext cx="8221027" cy="6858000"/>
+            <a:off x="2039639" y="0"/>
+            <a:ext cx="8112722" cy="6858000"/>
           </a:xfrm>
           <a:prstGeom prst="rect">
             <a:avLst/>
           </a:prstGeom>
         </p:spPr>
       </p:pic>
-      <p:sp>
-        <p:nvSpPr>
-          <p:cNvPr id="3" name="テキスト ボックス 2">
-            <a:extLst>
-              <a:ext uri="{FF2B5EF4-FFF2-40B4-BE49-F238E27FC236}">
-                <a16:creationId xmlns:a16="http://schemas.microsoft.com/office/drawing/2014/main" id="{24ADC03F-BFEC-4049-9726-538FCD7B5E67}"/>
-              </a:ext>
-            </a:extLst>
-          </p:cNvPr>
-          <p:cNvSpPr txBox="1"/>
-          <p:nvPr/>
-        </p:nvSpPr>
-        <p:spPr>
-          <a:xfrm>
-            <a:off x="78153" y="0"/>
-            <a:ext cx="4079632" cy="461665"/>
-          </a:xfrm>
-          <a:prstGeom prst="rect">
-            <a:avLst/>
-          </a:prstGeom>
-          <a:noFill/>
-        </p:spPr>
-        <p:txBody>
-          <a:bodyPr wrap="square" rtlCol="0">
-            <a:spAutoFit/>
-          </a:bodyPr>
-          <a:lstStyle/>
-          <a:p>
-            <a:r>
-              <a:rPr lang="en-US" altLang="ja-JP" sz="2400" dirty="0">
-                <a:solidFill>
-                  <a:srgbClr val="000000"/>
-                </a:solidFill>
-                <a:effectLst/>
-                <a:latin typeface="Times New Roman" panose="02020603050405020304" pitchFamily="18" charset="0"/>
-                <a:cs typeface="Times New Roman" panose="02020603050405020304" pitchFamily="18" charset="0"/>
-              </a:rPr>
-              <a:t>PumpAsTurbine_ex01</a:t>
-            </a:r>
-            <a:endParaRPr kumimoji="1" lang="ja-JP" altLang="en-US" sz="2400" dirty="0">
-              <a:latin typeface="Times New Roman" panose="02020603050405020304" pitchFamily="18" charset="0"/>
-              <a:cs typeface="Times New Roman" panose="02020603050405020304" pitchFamily="18" charset="0"/>
-            </a:endParaRPr>
-          </a:p>
-        </p:txBody>
-      </p:sp>
     </p:spTree>
     <p:extLst>
       <p:ext uri="{BB962C8B-B14F-4D97-AF65-F5344CB8AC3E}">
-        <p14:creationId xmlns:p14="http://schemas.microsoft.com/office/powerpoint/2010/main" val="3258820415"/>
+        <p14:creationId xmlns:p14="http://schemas.microsoft.com/office/powerpoint/2010/main" val="3437108536"/>
       </p:ext>
     </p:extLst>
   </p:cSld>
